--- a/docs/diagrams/SDforRegisterCommandLogicAndModel.pptx
+++ b/docs/diagrams/SDforRegisterCommandLogicAndModel.pptx
@@ -261,7 +261,7 @@
           <a:p>
             <a:fld id="{7A26E73D-0704-41E2-A85C-9874C6C723E6}" type="datetimeFigureOut">
               <a:rPr lang="en-IN" smtClean="0"/>
-              <a:t>14-10-2018</a:t>
+              <a:t>16-10-2018</a:t>
             </a:fld>
             <a:endParaRPr lang="en-IN"/>
           </a:p>
@@ -461,7 +461,7 @@
           <a:p>
             <a:fld id="{7A26E73D-0704-41E2-A85C-9874C6C723E6}" type="datetimeFigureOut">
               <a:rPr lang="en-IN" smtClean="0"/>
-              <a:t>14-10-2018</a:t>
+              <a:t>16-10-2018</a:t>
             </a:fld>
             <a:endParaRPr lang="en-IN"/>
           </a:p>
@@ -671,7 +671,7 @@
           <a:p>
             <a:fld id="{7A26E73D-0704-41E2-A85C-9874C6C723E6}" type="datetimeFigureOut">
               <a:rPr lang="en-IN" smtClean="0"/>
-              <a:t>14-10-2018</a:t>
+              <a:t>16-10-2018</a:t>
             </a:fld>
             <a:endParaRPr lang="en-IN"/>
           </a:p>
@@ -871,7 +871,7 @@
           <a:p>
             <a:fld id="{7A26E73D-0704-41E2-A85C-9874C6C723E6}" type="datetimeFigureOut">
               <a:rPr lang="en-IN" smtClean="0"/>
-              <a:t>14-10-2018</a:t>
+              <a:t>16-10-2018</a:t>
             </a:fld>
             <a:endParaRPr lang="en-IN"/>
           </a:p>
@@ -1147,7 +1147,7 @@
           <a:p>
             <a:fld id="{7A26E73D-0704-41E2-A85C-9874C6C723E6}" type="datetimeFigureOut">
               <a:rPr lang="en-IN" smtClean="0"/>
-              <a:t>14-10-2018</a:t>
+              <a:t>16-10-2018</a:t>
             </a:fld>
             <a:endParaRPr lang="en-IN"/>
           </a:p>
@@ -1415,7 +1415,7 @@
           <a:p>
             <a:fld id="{7A26E73D-0704-41E2-A85C-9874C6C723E6}" type="datetimeFigureOut">
               <a:rPr lang="en-IN" smtClean="0"/>
-              <a:t>14-10-2018</a:t>
+              <a:t>16-10-2018</a:t>
             </a:fld>
             <a:endParaRPr lang="en-IN"/>
           </a:p>
@@ -1830,7 +1830,7 @@
           <a:p>
             <a:fld id="{7A26E73D-0704-41E2-A85C-9874C6C723E6}" type="datetimeFigureOut">
               <a:rPr lang="en-IN" smtClean="0"/>
-              <a:t>14-10-2018</a:t>
+              <a:t>16-10-2018</a:t>
             </a:fld>
             <a:endParaRPr lang="en-IN"/>
           </a:p>
@@ -1972,7 +1972,7 @@
           <a:p>
             <a:fld id="{7A26E73D-0704-41E2-A85C-9874C6C723E6}" type="datetimeFigureOut">
               <a:rPr lang="en-IN" smtClean="0"/>
-              <a:t>14-10-2018</a:t>
+              <a:t>16-10-2018</a:t>
             </a:fld>
             <a:endParaRPr lang="en-IN"/>
           </a:p>
@@ -2085,7 +2085,7 @@
           <a:p>
             <a:fld id="{7A26E73D-0704-41E2-A85C-9874C6C723E6}" type="datetimeFigureOut">
               <a:rPr lang="en-IN" smtClean="0"/>
-              <a:t>14-10-2018</a:t>
+              <a:t>16-10-2018</a:t>
             </a:fld>
             <a:endParaRPr lang="en-IN"/>
           </a:p>
@@ -2398,7 +2398,7 @@
           <a:p>
             <a:fld id="{7A26E73D-0704-41E2-A85C-9874C6C723E6}" type="datetimeFigureOut">
               <a:rPr lang="en-IN" smtClean="0"/>
-              <a:t>14-10-2018</a:t>
+              <a:t>16-10-2018</a:t>
             </a:fld>
             <a:endParaRPr lang="en-IN"/>
           </a:p>
@@ -2687,7 +2687,7 @@
           <a:p>
             <a:fld id="{7A26E73D-0704-41E2-A85C-9874C6C723E6}" type="datetimeFigureOut">
               <a:rPr lang="en-IN" smtClean="0"/>
-              <a:t>14-10-2018</a:t>
+              <a:t>16-10-2018</a:t>
             </a:fld>
             <a:endParaRPr lang="en-IN"/>
           </a:p>
@@ -2930,7 +2930,7 @@
           <a:p>
             <a:fld id="{7A26E73D-0704-41E2-A85C-9874C6C723E6}" type="datetimeFigureOut">
               <a:rPr lang="en-IN" smtClean="0"/>
-              <a:t>14-10-2018</a:t>
+              <a:t>16-10-2018</a:t>
             </a:fld>
             <a:endParaRPr lang="en-IN"/>
           </a:p>
@@ -4085,7 +4085,7 @@
         </p:nvSpPr>
         <p:spPr>
           <a:xfrm>
-            <a:off x="5499152" y="4236808"/>
+            <a:off x="5573617" y="4332845"/>
             <a:ext cx="855809" cy="215444"/>
           </a:xfrm>
           <a:prstGeom prst="rect">
@@ -4270,48 +4270,6 @@
           </a:p>
         </p:txBody>
       </p:sp>
-      <p:cxnSp>
-        <p:nvCxnSpPr>
-          <p:cNvPr id="21" name="Straight Arrow Connector 20">
-            <a:extLst>
-              <a:ext uri="{FF2B5EF4-FFF2-40B4-BE49-F238E27FC236}">
-                <a16:creationId xmlns:a16="http://schemas.microsoft.com/office/drawing/2014/main" id="{4FE2C9F4-5D80-497E-8392-935B22E5D8BF}"/>
-              </a:ext>
-            </a:extLst>
-          </p:cNvPr>
-          <p:cNvCxnSpPr/>
-          <p:nvPr/>
-        </p:nvCxnSpPr>
-        <p:spPr>
-          <a:xfrm>
-            <a:off x="3121324" y="4472180"/>
-            <a:ext cx="5043123" cy="0"/>
-          </a:xfrm>
-          <a:prstGeom prst="straightConnector1">
-            <a:avLst/>
-          </a:prstGeom>
-          <a:ln w="19050">
-            <a:solidFill>
-              <a:srgbClr val="0070C0"/>
-            </a:solidFill>
-            <a:tailEnd type="arrow"/>
-          </a:ln>
-        </p:spPr>
-        <p:style>
-          <a:lnRef idx="1">
-            <a:schemeClr val="accent1"/>
-          </a:lnRef>
-          <a:fillRef idx="0">
-            <a:schemeClr val="accent1"/>
-          </a:fillRef>
-          <a:effectRef idx="0">
-            <a:schemeClr val="accent1"/>
-          </a:effectRef>
-          <a:fontRef idx="minor">
-            <a:schemeClr val="tx1"/>
-          </a:fontRef>
-        </p:style>
-      </p:cxnSp>
       <p:sp>
         <p:nvSpPr>
           <p:cNvPr id="22" name="Rectangle 21">
@@ -4479,7 +4437,7 @@
         </p:nvCxnSpPr>
         <p:spPr>
           <a:xfrm>
-            <a:off x="8318736" y="3688086"/>
+            <a:off x="8318736" y="3797143"/>
             <a:ext cx="1836137" cy="0"/>
           </a:xfrm>
           <a:prstGeom prst="straightConnector1">
@@ -4521,7 +4479,7 @@
         </p:nvCxnSpPr>
         <p:spPr>
           <a:xfrm flipV="1">
-            <a:off x="8334995" y="4280649"/>
+            <a:off x="8334995" y="4389706"/>
             <a:ext cx="1838026" cy="9750"/>
           </a:xfrm>
           <a:prstGeom prst="straightConnector1">
@@ -4609,7 +4567,7 @@
         </p:nvSpPr>
         <p:spPr>
           <a:xfrm>
-            <a:off x="8618262" y="3459811"/>
+            <a:off x="8618262" y="3568868"/>
             <a:ext cx="1424846" cy="161583"/>
           </a:xfrm>
           <a:prstGeom prst="rect">
@@ -5542,7 +5500,7 @@
         </p:nvCxnSpPr>
         <p:spPr>
           <a:xfrm>
-            <a:off x="8326073" y="4032792"/>
+            <a:off x="8326073" y="4141849"/>
             <a:ext cx="1836137" cy="0"/>
           </a:xfrm>
           <a:prstGeom prst="straightConnector1">
@@ -5584,7 +5542,7 @@
         </p:nvSpPr>
         <p:spPr>
           <a:xfrm>
-            <a:off x="8622069" y="3803028"/>
+            <a:off x="8622069" y="3912085"/>
             <a:ext cx="1424846" cy="161583"/>
           </a:xfrm>
           <a:prstGeom prst="rect">
@@ -5628,6 +5586,49 @@
           </a:p>
         </p:txBody>
       </p:sp>
+      <p:cxnSp>
+        <p:nvCxnSpPr>
+          <p:cNvPr id="35" name="Connector: Elbow 34">
+            <a:extLst>
+              <a:ext uri="{FF2B5EF4-FFF2-40B4-BE49-F238E27FC236}">
+                <a16:creationId xmlns:a16="http://schemas.microsoft.com/office/drawing/2014/main" id="{D262AA7F-E6F8-4FAD-8663-2B291CA52F45}"/>
+              </a:ext>
+            </a:extLst>
+          </p:cNvPr>
+          <p:cNvCxnSpPr>
+            <a:cxnSpLocks/>
+          </p:cNvCxnSpPr>
+          <p:nvPr/>
+        </p:nvCxnSpPr>
+        <p:spPr>
+          <a:xfrm flipV="1">
+            <a:off x="3121324" y="3662027"/>
+            <a:ext cx="5034201" cy="892096"/>
+          </a:xfrm>
+          <a:prstGeom prst="bentConnector3">
+            <a:avLst>
+              <a:gd name="adj1" fmla="val 87778"/>
+            </a:avLst>
+          </a:prstGeom>
+          <a:ln w="19050">
+            <a:tailEnd type="triangle"/>
+          </a:ln>
+        </p:spPr>
+        <p:style>
+          <a:lnRef idx="1">
+            <a:schemeClr val="accent1"/>
+          </a:lnRef>
+          <a:fillRef idx="0">
+            <a:schemeClr val="accent1"/>
+          </a:fillRef>
+          <a:effectRef idx="0">
+            <a:schemeClr val="accent1"/>
+          </a:effectRef>
+          <a:fontRef idx="minor">
+            <a:schemeClr val="tx1"/>
+          </a:fontRef>
+        </p:style>
+      </p:cxnSp>
     </p:spTree>
     <p:extLst>
       <p:ext uri="{BB962C8B-B14F-4D97-AF65-F5344CB8AC3E}">
